--- a/Presentations/Presentation04.pptx
+++ b/Presentations/Presentation04.pptx
@@ -11033,7 +11033,7 @@
           <a:p>
             <a:r>
               <a:rPr lang="en-US" dirty="0"/>
-              <a:t>Interesting Things: 1</a:t>
+              <a:t>Interesting Things: Nonparametric fails</a:t>
             </a:r>
           </a:p>
         </p:txBody>
@@ -11141,7 +11141,15 @@
           <a:p>
             <a:r>
               <a:rPr lang="en-US" dirty="0"/>
-              <a:t>Interesting Things: 2</a:t>
+              <a:t>Interesting Things: </a:t>
+            </a:r>
+            <a:r>
+              <a:rPr lang="en-US" dirty="0" err="1"/>
+              <a:t>xgboost</a:t>
+            </a:r>
+            <a:r>
+              <a:rPr lang="en-US" dirty="0"/>
+              <a:t> for the win</a:t>
             </a:r>
           </a:p>
         </p:txBody>
@@ -11249,7 +11257,7 @@
           <a:p>
             <a:r>
               <a:rPr lang="en-US" dirty="0"/>
-              <a:t>Interesting Things: 3</a:t>
+              <a:t>Interesting Things: No one size fits all</a:t>
             </a:r>
           </a:p>
         </p:txBody>
@@ -11357,7 +11365,7 @@
           <a:p>
             <a:r>
               <a:rPr lang="en-US" dirty="0"/>
-              <a:t>Biggest Challenge </a:t>
+              <a:t>Biggest Challenge: API and fees </a:t>
             </a:r>
           </a:p>
         </p:txBody>
@@ -11491,7 +11499,10 @@
           <a:bodyPr/>
           <a:lstStyle/>
           <a:p>
-            <a:endParaRPr lang="en-US"/>
+            <a:r>
+              <a:rPr lang="en-US" dirty="0"/>
+              <a:t>Precipitation data</a:t>
+            </a:r>
           </a:p>
         </p:txBody>
       </p:sp>
@@ -11599,7 +11610,10 @@
           <a:bodyPr/>
           <a:lstStyle/>
           <a:p>
-            <a:endParaRPr lang="en-US"/>
+            <a:r>
+              <a:rPr lang="en-US" dirty="0"/>
+              <a:t>Jason and Aubrey’s interesting things</a:t>
+            </a:r>
           </a:p>
         </p:txBody>
       </p:sp>

--- a/Presentations/Presentation04.pptx
+++ b/Presentations/Presentation04.pptx
@@ -11,8 +11,8 @@
     <p:sldId id="256" r:id="rId2"/>
     <p:sldId id="266" r:id="rId3"/>
     <p:sldId id="270" r:id="rId4"/>
-    <p:sldId id="271" r:id="rId5"/>
-    <p:sldId id="267" r:id="rId6"/>
+    <p:sldId id="272" r:id="rId5"/>
+    <p:sldId id="273" r:id="rId6"/>
     <p:sldId id="268" r:id="rId7"/>
     <p:sldId id="269" r:id="rId8"/>
   </p:sldIdLst>
@@ -11278,44 +11278,94 @@
             <p:ph type="body" idx="1"/>
           </p:nvPr>
         </p:nvSpPr>
-        <p:spPr/>
+        <p:spPr>
+          <a:xfrm>
+            <a:off x="729324" y="2078875"/>
+            <a:ext cx="3842675" cy="2261100"/>
+          </a:xfrm>
+        </p:spPr>
         <p:txBody>
           <a:bodyPr/>
           <a:lstStyle/>
           <a:p>
-            <a:endParaRPr lang="en-US"/>
+            <a:pPr>
+              <a:spcBef>
+                <a:spcPts val="600"/>
+              </a:spcBef>
+            </a:pPr>
+            <a:r>
+              <a:rPr lang="en-US" dirty="0"/>
+              <a:t>Time component is relatively negligible</a:t>
+            </a:r>
+          </a:p>
+          <a:p>
+            <a:pPr lvl="1">
+              <a:spcBef>
+                <a:spcPts val="600"/>
+              </a:spcBef>
+            </a:pPr>
+            <a:r>
+              <a:rPr lang="en-US" dirty="0"/>
+              <a:t>Seasonal patterns are explained by month</a:t>
+            </a:r>
+          </a:p>
+          <a:p>
+            <a:pPr>
+              <a:spcBef>
+                <a:spcPts val="600"/>
+              </a:spcBef>
+            </a:pPr>
+            <a:r>
+              <a:rPr lang="en-US" dirty="0"/>
+              <a:t>Every park is unique and has trends that match its particular history</a:t>
+            </a:r>
+          </a:p>
+          <a:p>
+            <a:pPr lvl="1">
+              <a:spcBef>
+                <a:spcPts val="600"/>
+              </a:spcBef>
+            </a:pPr>
+            <a:r>
+              <a:rPr lang="en-US" dirty="0"/>
+              <a:t>Makes it nearly impossible to generalize well</a:t>
+            </a:r>
           </a:p>
         </p:txBody>
       </p:sp>
-      <p:sp>
-        <p:nvSpPr>
-          <p:cNvPr id="4" name="Text Placeholder 3">
+      <p:pic>
+        <p:nvPicPr>
+          <p:cNvPr id="5" name="Picture 4">
             <a:extLst>
               <a:ext uri="{FF2B5EF4-FFF2-40B4-BE49-F238E27FC236}">
-                <a16:creationId xmlns:a16="http://schemas.microsoft.com/office/drawing/2014/main" id="{67804BB6-E288-4394-BD3B-2DFEC156125A}"/>
+                <a16:creationId xmlns:a16="http://schemas.microsoft.com/office/drawing/2014/main" id="{4B937ADE-E98E-4B9E-B49F-88336AE4A7A6}"/>
               </a:ext>
             </a:extLst>
           </p:cNvPr>
-          <p:cNvSpPr>
-            <a:spLocks noGrp="1"/>
-          </p:cNvSpPr>
-          <p:nvPr>
-            <p:ph type="body" idx="2"/>
-          </p:nvPr>
-        </p:nvSpPr>
-        <p:spPr/>
-        <p:txBody>
-          <a:bodyPr/>
-          <a:lstStyle/>
-          <a:p>
-            <a:endParaRPr lang="en-US"/>
-          </a:p>
-        </p:txBody>
-      </p:sp>
+          <p:cNvPicPr>
+            <a:picLocks noChangeAspect="1"/>
+          </p:cNvPicPr>
+          <p:nvPr/>
+        </p:nvPicPr>
+        <p:blipFill rotWithShape="1">
+          <a:blip r:embed="rId2"/>
+          <a:srcRect t="1139" b="1"/>
+          <a:stretch/>
+        </p:blipFill>
+        <p:spPr>
+          <a:xfrm>
+            <a:off x="4816397" y="2191101"/>
+            <a:ext cx="4327603" cy="2412350"/>
+          </a:xfrm>
+          <a:prstGeom prst="rect">
+            <a:avLst/>
+          </a:prstGeom>
+        </p:spPr>
+      </p:pic>
     </p:spTree>
     <p:extLst>
       <p:ext uri="{BB962C8B-B14F-4D97-AF65-F5344CB8AC3E}">
-        <p14:creationId xmlns:p14="http://schemas.microsoft.com/office/powerpoint/2010/main" val="1582356396"/>
+        <p14:creationId xmlns:p14="http://schemas.microsoft.com/office/powerpoint/2010/main" val="895789680"/>
       </p:ext>
     </p:extLst>
   </p:cSld>
@@ -11391,39 +11441,248 @@
           <a:bodyPr/>
           <a:lstStyle/>
           <a:p>
-            <a:endParaRPr lang="en-US"/>
+            <a:pPr>
+              <a:spcBef>
+                <a:spcPts val="600"/>
+              </a:spcBef>
+            </a:pPr>
+            <a:r>
+              <a:rPr lang="en-US" dirty="0"/>
+              <a:t>Learning how to connect properly</a:t>
+            </a:r>
+          </a:p>
+          <a:p>
+            <a:pPr>
+              <a:spcBef>
+                <a:spcPts val="600"/>
+              </a:spcBef>
+            </a:pPr>
+            <a:r>
+              <a:rPr lang="en-US" dirty="0"/>
+              <a:t>Converting JSON to usable formats</a:t>
+            </a:r>
+          </a:p>
+          <a:p>
+            <a:pPr>
+              <a:spcBef>
+                <a:spcPts val="600"/>
+              </a:spcBef>
+            </a:pPr>
+            <a:r>
+              <a:rPr lang="en-US" dirty="0"/>
+              <a:t>Wrangling individual idiosyncrasies</a:t>
+            </a:r>
+          </a:p>
+          <a:p>
+            <a:pPr lvl="1">
+              <a:spcBef>
+                <a:spcPts val="600"/>
+              </a:spcBef>
+            </a:pPr>
+            <a:r>
+              <a:rPr lang="en-US" dirty="0"/>
+              <a:t>Fees</a:t>
+            </a:r>
+          </a:p>
+          <a:p>
+            <a:pPr lvl="1">
+              <a:spcBef>
+                <a:spcPts val="600"/>
+              </a:spcBef>
+            </a:pPr>
+            <a:r>
+              <a:rPr lang="en-US" dirty="0"/>
+              <a:t>Time</a:t>
+            </a:r>
+          </a:p>
+          <a:p>
+            <a:pPr>
+              <a:spcBef>
+                <a:spcPts val="600"/>
+              </a:spcBef>
+            </a:pPr>
+            <a:r>
+              <a:rPr lang="en-US" dirty="0"/>
+              <a:t>Merging data from IRMA</a:t>
+            </a:r>
           </a:p>
         </p:txBody>
       </p:sp>
-      <p:sp>
-        <p:nvSpPr>
-          <p:cNvPr id="4" name="Text Placeholder 3">
+      <p:grpSp>
+        <p:nvGrpSpPr>
+          <p:cNvPr id="19" name="Group 18">
             <a:extLst>
               <a:ext uri="{FF2B5EF4-FFF2-40B4-BE49-F238E27FC236}">
-                <a16:creationId xmlns:a16="http://schemas.microsoft.com/office/drawing/2014/main" id="{32154072-031D-4C96-9895-AC839574496C}"/>
+                <a16:creationId xmlns:a16="http://schemas.microsoft.com/office/drawing/2014/main" id="{56F32629-92C9-4BD7-8A5C-BDE44E599AB5}"/>
               </a:ext>
             </a:extLst>
           </p:cNvPr>
-          <p:cNvSpPr>
-            <a:spLocks noGrp="1"/>
-          </p:cNvSpPr>
-          <p:nvPr>
-            <p:ph type="body" idx="2"/>
-          </p:nvPr>
-        </p:nvSpPr>
-        <p:spPr/>
-        <p:txBody>
-          <a:bodyPr/>
-          <a:lstStyle/>
-          <a:p>
-            <a:endParaRPr lang="en-US"/>
-          </a:p>
-        </p:txBody>
-      </p:sp>
+          <p:cNvGrpSpPr/>
+          <p:nvPr/>
+        </p:nvGrpSpPr>
+        <p:grpSpPr>
+          <a:xfrm>
+            <a:off x="4693526" y="2142673"/>
+            <a:ext cx="3950714" cy="2495458"/>
+            <a:chOff x="4725276" y="2434773"/>
+            <a:chExt cx="3950714" cy="2495458"/>
+          </a:xfrm>
+        </p:grpSpPr>
+        <p:pic>
+          <p:nvPicPr>
+            <p:cNvPr id="10" name="Picture 9">
+              <a:extLst>
+                <a:ext uri="{FF2B5EF4-FFF2-40B4-BE49-F238E27FC236}">
+                  <a16:creationId xmlns:a16="http://schemas.microsoft.com/office/drawing/2014/main" id="{E1E9DC07-5BBA-4EE4-A3FC-677100B8923E}"/>
+                </a:ext>
+              </a:extLst>
+            </p:cNvPr>
+            <p:cNvPicPr>
+              <a:picLocks noChangeAspect="1"/>
+            </p:cNvPicPr>
+            <p:nvPr/>
+          </p:nvPicPr>
+          <p:blipFill>
+            <a:blip r:embed="rId2"/>
+            <a:stretch>
+              <a:fillRect/>
+            </a:stretch>
+          </p:blipFill>
+          <p:spPr>
+            <a:xfrm>
+              <a:off x="5905224" y="2637973"/>
+              <a:ext cx="1715354" cy="2232819"/>
+            </a:xfrm>
+            <a:prstGeom prst="rect">
+              <a:avLst/>
+            </a:prstGeom>
+          </p:spPr>
+        </p:pic>
+        <p:pic>
+          <p:nvPicPr>
+            <p:cNvPr id="12" name="Picture 11">
+              <a:extLst>
+                <a:ext uri="{FF2B5EF4-FFF2-40B4-BE49-F238E27FC236}">
+                  <a16:creationId xmlns:a16="http://schemas.microsoft.com/office/drawing/2014/main" id="{DB7B079C-2626-48CA-AFFD-02FA52271593}"/>
+                </a:ext>
+              </a:extLst>
+            </p:cNvPr>
+            <p:cNvPicPr>
+              <a:picLocks noChangeAspect="1"/>
+            </p:cNvPicPr>
+            <p:nvPr/>
+          </p:nvPicPr>
+          <p:blipFill>
+            <a:blip r:embed="rId3"/>
+            <a:stretch>
+              <a:fillRect/>
+            </a:stretch>
+          </p:blipFill>
+          <p:spPr>
+            <a:xfrm>
+              <a:off x="7672165" y="3951730"/>
+              <a:ext cx="982596" cy="978501"/>
+            </a:xfrm>
+            <a:prstGeom prst="rect">
+              <a:avLst/>
+            </a:prstGeom>
+          </p:spPr>
+        </p:pic>
+        <p:pic>
+          <p:nvPicPr>
+            <p:cNvPr id="14" name="Picture 13">
+              <a:extLst>
+                <a:ext uri="{FF2B5EF4-FFF2-40B4-BE49-F238E27FC236}">
+                  <a16:creationId xmlns:a16="http://schemas.microsoft.com/office/drawing/2014/main" id="{40397D8B-BF81-4054-8AA7-D8B9CFBFB89A}"/>
+                </a:ext>
+              </a:extLst>
+            </p:cNvPr>
+            <p:cNvPicPr>
+              <a:picLocks noChangeAspect="1"/>
+            </p:cNvPicPr>
+            <p:nvPr/>
+          </p:nvPicPr>
+          <p:blipFill>
+            <a:blip r:embed="rId4"/>
+            <a:stretch>
+              <a:fillRect/>
+            </a:stretch>
+          </p:blipFill>
+          <p:spPr>
+            <a:xfrm>
+              <a:off x="4725276" y="3951730"/>
+              <a:ext cx="1128361" cy="978501"/>
+            </a:xfrm>
+            <a:prstGeom prst="rect">
+              <a:avLst/>
+            </a:prstGeom>
+          </p:spPr>
+        </p:pic>
+        <p:pic>
+          <p:nvPicPr>
+            <p:cNvPr id="16" name="Picture 15">
+              <a:extLst>
+                <a:ext uri="{FF2B5EF4-FFF2-40B4-BE49-F238E27FC236}">
+                  <a16:creationId xmlns:a16="http://schemas.microsoft.com/office/drawing/2014/main" id="{01E4C13B-2F2A-4193-B213-175AFEC9879D}"/>
+                </a:ext>
+              </a:extLst>
+            </p:cNvPr>
+            <p:cNvPicPr>
+              <a:picLocks noChangeAspect="1"/>
+            </p:cNvPicPr>
+            <p:nvPr/>
+          </p:nvPicPr>
+          <p:blipFill>
+            <a:blip r:embed="rId5"/>
+            <a:stretch>
+              <a:fillRect/>
+            </a:stretch>
+          </p:blipFill>
+          <p:spPr>
+            <a:xfrm>
+              <a:off x="7672165" y="2434773"/>
+              <a:ext cx="1003825" cy="1091660"/>
+            </a:xfrm>
+            <a:prstGeom prst="rect">
+              <a:avLst/>
+            </a:prstGeom>
+          </p:spPr>
+        </p:pic>
+        <p:pic>
+          <p:nvPicPr>
+            <p:cNvPr id="18" name="Picture 17">
+              <a:extLst>
+                <a:ext uri="{FF2B5EF4-FFF2-40B4-BE49-F238E27FC236}">
+                  <a16:creationId xmlns:a16="http://schemas.microsoft.com/office/drawing/2014/main" id="{B7EFD3C7-EBA4-4F71-B655-3D5FAE42DE8F}"/>
+                </a:ext>
+              </a:extLst>
+            </p:cNvPr>
+            <p:cNvPicPr>
+              <a:picLocks noChangeAspect="1"/>
+            </p:cNvPicPr>
+            <p:nvPr/>
+          </p:nvPicPr>
+          <p:blipFill>
+            <a:blip r:embed="rId6"/>
+            <a:stretch>
+              <a:fillRect/>
+            </a:stretch>
+          </p:blipFill>
+          <p:spPr>
+            <a:xfrm>
+              <a:off x="4814701" y="2436356"/>
+              <a:ext cx="949512" cy="1133876"/>
+            </a:xfrm>
+            <a:prstGeom prst="rect">
+              <a:avLst/>
+            </a:prstGeom>
+          </p:spPr>
+        </p:pic>
+      </p:grpSp>
     </p:spTree>
     <p:extLst>
       <p:ext uri="{BB962C8B-B14F-4D97-AF65-F5344CB8AC3E}">
-        <p14:creationId xmlns:p14="http://schemas.microsoft.com/office/powerpoint/2010/main" val="73770340"/>
+        <p14:creationId xmlns:p14="http://schemas.microsoft.com/office/powerpoint/2010/main" val="2315131896"/>
       </p:ext>
     </p:extLst>
   </p:cSld>

--- a/Presentations/Presentation04.pptx
+++ b/Presentations/Presentation04.pptx
@@ -11033,7 +11033,7 @@
           <a:p>
             <a:r>
               <a:rPr lang="en-US" dirty="0"/>
-              <a:t>Interesting Things: Nonparametric fails</a:t>
+              <a:t>Interesting Things: MARS </a:t>
             </a:r>
           </a:p>
         </p:txBody>
@@ -11059,7 +11059,41 @@
           <a:bodyPr/>
           <a:lstStyle/>
           <a:p>
-            <a:endParaRPr lang="en-US"/>
+            <a:r>
+              <a:rPr lang="en-US" dirty="0"/>
+              <a:t>MARS was our main analysis plan</a:t>
+            </a:r>
+          </a:p>
+          <a:p>
+            <a:r>
+              <a:rPr lang="en-US" dirty="0"/>
+              <a:t>Selected number of prunes (50) was too small</a:t>
+            </a:r>
+          </a:p>
+          <a:p>
+            <a:pPr lvl="1"/>
+            <a:r>
+              <a:rPr lang="en-US" dirty="0"/>
+              <a:t>Number of degrees (2) seemed reasonable, but wasn’t used in the top important variables</a:t>
+            </a:r>
+          </a:p>
+          <a:p>
+            <a:endParaRPr lang="en-US" dirty="0"/>
+          </a:p>
+          <a:p>
+            <a:r>
+              <a:rPr lang="en-US" dirty="0"/>
+              <a:t>Took a long time to run the cross-validation code</a:t>
+            </a:r>
+          </a:p>
+          <a:p>
+            <a:r>
+              <a:rPr lang="en-US" dirty="0"/>
+              <a:t>Typically bad predictions, and constant over years</a:t>
+            </a:r>
+          </a:p>
+          <a:p>
+            <a:endParaRPr lang="en-US" dirty="0"/>
           </a:p>
         </p:txBody>
       </p:sp>
@@ -11084,10 +11118,40 @@
           <a:bodyPr/>
           <a:lstStyle/>
           <a:p>
-            <a:endParaRPr lang="en-US"/>
+            <a:endParaRPr lang="en-US" dirty="0"/>
           </a:p>
         </p:txBody>
       </p:sp>
+      <p:pic>
+        <p:nvPicPr>
+          <p:cNvPr id="6" name="Picture 5" descr="Variable Importance">
+            <a:extLst>
+              <a:ext uri="{FF2B5EF4-FFF2-40B4-BE49-F238E27FC236}">
+                <a16:creationId xmlns:a16="http://schemas.microsoft.com/office/drawing/2014/main" id="{9E48E81E-E398-48BD-A4F1-45FB28B2E08D}"/>
+              </a:ext>
+            </a:extLst>
+          </p:cNvPr>
+          <p:cNvPicPr>
+            <a:picLocks noChangeAspect="1"/>
+          </p:cNvPicPr>
+          <p:nvPr/>
+        </p:nvPicPr>
+        <p:blipFill>
+          <a:blip r:embed="rId2"/>
+          <a:stretch>
+            <a:fillRect/>
+          </a:stretch>
+        </p:blipFill>
+        <p:spPr>
+          <a:xfrm>
+            <a:off x="4640377" y="2015467"/>
+            <a:ext cx="3869309" cy="2387916"/>
+          </a:xfrm>
+          <a:prstGeom prst="rect">
+            <a:avLst/>
+          </a:prstGeom>
+        </p:spPr>
+      </p:pic>
     </p:spTree>
     <p:extLst>
       <p:ext uri="{BB962C8B-B14F-4D97-AF65-F5344CB8AC3E}">
@@ -11760,7 +11824,26 @@
           <a:p>
             <a:r>
               <a:rPr lang="en-US" dirty="0"/>
-              <a:t>Precipitation data</a:t>
+              <a:t>Precipitation Data took a long time to gather</a:t>
+            </a:r>
+          </a:p>
+          <a:p>
+            <a:r>
+              <a:rPr lang="en-US" dirty="0"/>
+              <a:t>There was too much data and the API was hard to work with</a:t>
+            </a:r>
+          </a:p>
+          <a:p>
+            <a:pPr lvl="1"/>
+            <a:r>
+              <a:rPr lang="en-US" dirty="0"/>
+              <a:t>Limited number of pulls per line of code and per day</a:t>
+            </a:r>
+          </a:p>
+          <a:p>
+            <a:r>
+              <a:rPr lang="en-US" dirty="0"/>
+              <a:t>Wound up not using it because it was too difficult to combine datasets</a:t>
             </a:r>
           </a:p>
         </p:txBody>
@@ -11786,7 +11869,38 @@
           <a:bodyPr/>
           <a:lstStyle/>
           <a:p>
-            <a:endParaRPr lang="en-US"/>
+            <a:r>
+              <a:rPr lang="en-US" dirty="0"/>
+              <a:t>2 Options:</a:t>
+            </a:r>
+          </a:p>
+          <a:p>
+            <a:pPr lvl="1"/>
+            <a:r>
+              <a:rPr lang="en-US" dirty="0"/>
+              <a:t>Select specific stations to use for each park</a:t>
+            </a:r>
+          </a:p>
+          <a:p>
+            <a:pPr lvl="2"/>
+            <a:r>
+              <a:rPr lang="en-US" dirty="0"/>
+              <a:t>Less data, easier to combine, easier to pull</a:t>
+            </a:r>
+          </a:p>
+          <a:p>
+            <a:pPr lvl="1"/>
+            <a:r>
+              <a:rPr lang="en-US" dirty="0"/>
+              <a:t>Don’t use precipitation data</a:t>
+            </a:r>
+          </a:p>
+          <a:p>
+            <a:pPr lvl="2"/>
+            <a:r>
+              <a:rPr lang="en-US" dirty="0"/>
+              <a:t>Likely is captured in the month variable anyways</a:t>
+            </a:r>
           </a:p>
         </p:txBody>
       </p:sp>

--- a/Presentations/Presentation04.pptx
+++ b/Presentations/Presentation04.pptx
@@ -5,33 +5,35 @@
     <p:sldMasterId id="2147483659" r:id="rId1"/>
   </p:sldMasterIdLst>
   <p:notesMasterIdLst>
-    <p:notesMasterId r:id="rId9"/>
+    <p:notesMasterId r:id="rId11"/>
   </p:notesMasterIdLst>
   <p:sldIdLst>
     <p:sldId id="256" r:id="rId2"/>
     <p:sldId id="266" r:id="rId3"/>
     <p:sldId id="270" r:id="rId4"/>
-    <p:sldId id="272" r:id="rId5"/>
-    <p:sldId id="273" r:id="rId6"/>
-    <p:sldId id="268" r:id="rId7"/>
-    <p:sldId id="269" r:id="rId8"/>
+    <p:sldId id="274" r:id="rId5"/>
+    <p:sldId id="272" r:id="rId6"/>
+    <p:sldId id="273" r:id="rId7"/>
+    <p:sldId id="268" r:id="rId8"/>
+    <p:sldId id="275" r:id="rId9"/>
+    <p:sldId id="269" r:id="rId10"/>
   </p:sldIdLst>
   <p:sldSz cx="9144000" cy="5143500" type="screen16x9"/>
   <p:notesSz cx="6858000" cy="9144000"/>
   <p:embeddedFontLst>
     <p:embeddedFont>
       <p:font typeface="Lato" panose="020B0604020202020204" charset="0"/>
-      <p:regular r:id="rId10"/>
-      <p:bold r:id="rId11"/>
-      <p:italic r:id="rId12"/>
-      <p:boldItalic r:id="rId13"/>
+      <p:regular r:id="rId12"/>
+      <p:bold r:id="rId13"/>
+      <p:italic r:id="rId14"/>
+      <p:boldItalic r:id="rId15"/>
     </p:embeddedFont>
     <p:embeddedFont>
       <p:font typeface="Raleway" panose="020B0604020202020204" charset="0"/>
-      <p:regular r:id="rId14"/>
-      <p:bold r:id="rId15"/>
-      <p:italic r:id="rId16"/>
-      <p:boldItalic r:id="rId17"/>
+      <p:regular r:id="rId16"/>
+      <p:bold r:id="rId17"/>
+      <p:italic r:id="rId18"/>
+      <p:boldItalic r:id="rId19"/>
     </p:embeddedFont>
   </p:embeddedFontLst>
   <p:defaultTextStyle>
@@ -11205,15 +11207,7 @@
           <a:p>
             <a:r>
               <a:rPr lang="en-US" dirty="0"/>
-              <a:t>Interesting Things: </a:t>
-            </a:r>
-            <a:r>
-              <a:rPr lang="en-US" dirty="0" err="1"/>
-              <a:t>xgboost</a:t>
-            </a:r>
-            <a:r>
-              <a:rPr lang="en-US" dirty="0"/>
-              <a:t> for the win</a:t>
+              <a:t>Interesting Things: The Power of Trees</a:t>
             </a:r>
           </a:p>
         </p:txBody>
@@ -11234,40 +11228,101 @@
             <p:ph type="body" idx="1"/>
           </p:nvPr>
         </p:nvSpPr>
-        <p:spPr/>
+        <p:spPr>
+          <a:xfrm>
+            <a:off x="164175" y="1989974"/>
+            <a:ext cx="3601375" cy="2848725"/>
+          </a:xfrm>
+        </p:spPr>
         <p:txBody>
           <a:bodyPr/>
           <a:lstStyle/>
           <a:p>
-            <a:endParaRPr lang="en-US"/>
+            <a:r>
+              <a:rPr lang="en-US" dirty="0"/>
+              <a:t>XGBoost adapted well to seasonal changes and annual changes</a:t>
+            </a:r>
+          </a:p>
+          <a:p>
+            <a:r>
+              <a:rPr lang="en-US" dirty="0"/>
+              <a:t>Not depending on linear relationships allowed greater flexibility</a:t>
+            </a:r>
+          </a:p>
+          <a:p>
+            <a:r>
+              <a:rPr lang="en-US" dirty="0"/>
+              <a:t>Some parks still weren’t well modeled, but tended to be better than MARS</a:t>
+            </a:r>
+          </a:p>
+          <a:p>
+            <a:r>
+              <a:rPr lang="en-US" dirty="0"/>
+              <a:t>A fairly simple model (eta = 0.05, gamma = , </a:t>
+            </a:r>
+            <a:r>
+              <a:rPr lang="en-US" dirty="0" err="1"/>
+              <a:t>colsample-bytree</a:t>
+            </a:r>
+            <a:r>
+              <a:rPr lang="en-US" dirty="0"/>
+              <a:t> = 0.75, subsample  0.5, </a:t>
+            </a:r>
+            <a:r>
+              <a:rPr lang="en-US" dirty="0" err="1"/>
+              <a:t>max.depth</a:t>
+            </a:r>
+            <a:r>
+              <a:rPr lang="en-US" dirty="0"/>
+              <a:t> = 4, </a:t>
+            </a:r>
+            <a:r>
+              <a:rPr lang="en-US" dirty="0" err="1"/>
+              <a:t>nrounds</a:t>
+            </a:r>
+            <a:r>
+              <a:rPr lang="en-US" dirty="0"/>
+              <a:t> = 1500) resulted in strong predictions on test set</a:t>
+            </a:r>
+          </a:p>
+          <a:p>
+            <a:r>
+              <a:rPr lang="en-US" dirty="0"/>
+              <a:t>MSE : 0.593, MAE: 0.5229</a:t>
+            </a:r>
           </a:p>
         </p:txBody>
       </p:sp>
-      <p:sp>
-        <p:nvSpPr>
-          <p:cNvPr id="4" name="Text Placeholder 3">
+      <p:pic>
+        <p:nvPicPr>
+          <p:cNvPr id="7" name="Picture 6">
             <a:extLst>
               <a:ext uri="{FF2B5EF4-FFF2-40B4-BE49-F238E27FC236}">
-                <a16:creationId xmlns:a16="http://schemas.microsoft.com/office/drawing/2014/main" id="{67804BB6-E288-4394-BD3B-2DFEC156125A}"/>
+                <a16:creationId xmlns:a16="http://schemas.microsoft.com/office/drawing/2014/main" id="{94AF7726-2906-4EAE-B378-6134F1739A77}"/>
               </a:ext>
             </a:extLst>
           </p:cNvPr>
-          <p:cNvSpPr>
-            <a:spLocks noGrp="1"/>
-          </p:cNvSpPr>
-          <p:nvPr>
-            <p:ph type="body" idx="2"/>
-          </p:nvPr>
-        </p:nvSpPr>
-        <p:spPr/>
-        <p:txBody>
-          <a:bodyPr/>
-          <a:lstStyle/>
-          <a:p>
-            <a:endParaRPr lang="en-US"/>
-          </a:p>
-        </p:txBody>
-      </p:sp>
+          <p:cNvPicPr>
+            <a:picLocks noChangeAspect="1"/>
+          </p:cNvPicPr>
+          <p:nvPr/>
+        </p:nvPicPr>
+        <p:blipFill>
+          <a:blip r:embed="rId2"/>
+          <a:stretch>
+            <a:fillRect/>
+          </a:stretch>
+        </p:blipFill>
+        <p:spPr>
+          <a:xfrm>
+            <a:off x="3651017" y="1836986"/>
+            <a:ext cx="5492983" cy="3154700"/>
+          </a:xfrm>
+          <a:prstGeom prst="rect">
+            <a:avLst/>
+          </a:prstGeom>
+        </p:spPr>
+      </p:pic>
     </p:spTree>
     <p:extLst>
       <p:ext uri="{BB962C8B-B14F-4D97-AF65-F5344CB8AC3E}">
@@ -11282,6 +11337,94 @@
 </file>
 
 <file path=ppt/slides/slide4.xml><?xml version="1.0" encoding="utf-8"?>
+<p:sld xmlns:a="http://schemas.openxmlformats.org/drawingml/2006/main" xmlns:r="http://schemas.openxmlformats.org/officeDocument/2006/relationships" xmlns:p="http://schemas.openxmlformats.org/presentationml/2006/main">
+  <p:cSld>
+    <p:spTree>
+      <p:nvGrpSpPr>
+        <p:cNvPr id="1" name=""/>
+        <p:cNvGrpSpPr/>
+        <p:nvPr/>
+      </p:nvGrpSpPr>
+      <p:grpSpPr>
+        <a:xfrm>
+          <a:off x="0" y="0"/>
+          <a:ext cx="0" cy="0"/>
+          <a:chOff x="0" y="0"/>
+          <a:chExt cx="0" cy="0"/>
+        </a:xfrm>
+      </p:grpSpPr>
+      <p:sp>
+        <p:nvSpPr>
+          <p:cNvPr id="2" name="Title 1">
+            <a:extLst>
+              <a:ext uri="{FF2B5EF4-FFF2-40B4-BE49-F238E27FC236}">
+                <a16:creationId xmlns:a16="http://schemas.microsoft.com/office/drawing/2014/main" id="{A3055582-C992-4289-9E6A-C3432FB22DF3}"/>
+              </a:ext>
+            </a:extLst>
+          </p:cNvPr>
+          <p:cNvSpPr>
+            <a:spLocks noGrp="1"/>
+          </p:cNvSpPr>
+          <p:nvPr>
+            <p:ph type="title"/>
+          </p:nvPr>
+        </p:nvSpPr>
+        <p:spPr/>
+        <p:txBody>
+          <a:bodyPr/>
+          <a:lstStyle/>
+          <a:p>
+            <a:r>
+              <a:rPr lang="en-US" dirty="0"/>
+              <a:t>Feature Importance for XGBoost</a:t>
+            </a:r>
+          </a:p>
+        </p:txBody>
+      </p:sp>
+      <p:pic>
+        <p:nvPicPr>
+          <p:cNvPr id="5" name="Picture 4">
+            <a:extLst>
+              <a:ext uri="{FF2B5EF4-FFF2-40B4-BE49-F238E27FC236}">
+                <a16:creationId xmlns:a16="http://schemas.microsoft.com/office/drawing/2014/main" id="{B2488568-8B13-452C-8007-2CD64F80F4AD}"/>
+              </a:ext>
+            </a:extLst>
+          </p:cNvPr>
+          <p:cNvPicPr>
+            <a:picLocks noChangeAspect="1"/>
+          </p:cNvPicPr>
+          <p:nvPr/>
+        </p:nvPicPr>
+        <p:blipFill>
+          <a:blip r:embed="rId2"/>
+          <a:stretch>
+            <a:fillRect/>
+          </a:stretch>
+        </p:blipFill>
+        <p:spPr>
+          <a:xfrm>
+            <a:off x="292100" y="1735726"/>
+            <a:ext cx="7804150" cy="3407774"/>
+          </a:xfrm>
+          <a:prstGeom prst="rect">
+            <a:avLst/>
+          </a:prstGeom>
+        </p:spPr>
+      </p:pic>
+    </p:spTree>
+    <p:extLst>
+      <p:ext uri="{BB962C8B-B14F-4D97-AF65-F5344CB8AC3E}">
+        <p14:creationId xmlns:p14="http://schemas.microsoft.com/office/powerpoint/2010/main" val="2461722151"/>
+      </p:ext>
+    </p:extLst>
+  </p:cSld>
+  <p:clrMapOvr>
+    <a:masterClrMapping/>
+  </p:clrMapOvr>
+</p:sld>
+</file>
+
+<file path=ppt/slides/slide5.xml><?xml version="1.0" encoding="utf-8"?>
 <p:sld xmlns:a="http://schemas.openxmlformats.org/drawingml/2006/main" xmlns:r="http://schemas.openxmlformats.org/officeDocument/2006/relationships" xmlns:p="http://schemas.openxmlformats.org/presentationml/2006/main">
   <p:cSld>
     <p:spTree>
@@ -11439,7 +11582,7 @@
 </p:sld>
 </file>
 
-<file path=ppt/slides/slide5.xml><?xml version="1.0" encoding="utf-8"?>
+<file path=ppt/slides/slide6.xml><?xml version="1.0" encoding="utf-8"?>
 <p:sld xmlns:a="http://schemas.openxmlformats.org/drawingml/2006/main" xmlns:r="http://schemas.openxmlformats.org/officeDocument/2006/relationships" xmlns:p="http://schemas.openxmlformats.org/presentationml/2006/main">
   <p:cSld>
     <p:spTree>
@@ -11756,7 +11899,7 @@
 </p:sld>
 </file>
 
-<file path=ppt/slides/slide6.xml><?xml version="1.0" encoding="utf-8"?>
+<file path=ppt/slides/slide7.xml><?xml version="1.0" encoding="utf-8"?>
 <p:sld xmlns:a="http://schemas.openxmlformats.org/drawingml/2006/main" xmlns:r="http://schemas.openxmlformats.org/officeDocument/2006/relationships" xmlns:p="http://schemas.openxmlformats.org/presentationml/2006/main">
   <p:cSld>
     <p:spTree>
@@ -11917,7 +12060,150 @@
 </p:sld>
 </file>
 
-<file path=ppt/slides/slide7.xml><?xml version="1.0" encoding="utf-8"?>
+<file path=ppt/slides/slide8.xml><?xml version="1.0" encoding="utf-8"?>
+<p:sld xmlns:a="http://schemas.openxmlformats.org/drawingml/2006/main" xmlns:r="http://schemas.openxmlformats.org/officeDocument/2006/relationships" xmlns:p="http://schemas.openxmlformats.org/presentationml/2006/main">
+  <p:cSld>
+    <p:spTree>
+      <p:nvGrpSpPr>
+        <p:cNvPr id="1" name=""/>
+        <p:cNvGrpSpPr/>
+        <p:nvPr/>
+      </p:nvGrpSpPr>
+      <p:grpSpPr>
+        <a:xfrm>
+          <a:off x="0" y="0"/>
+          <a:ext cx="0" cy="0"/>
+          <a:chOff x="0" y="0"/>
+          <a:chExt cx="0" cy="0"/>
+        </a:xfrm>
+      </p:grpSpPr>
+      <p:sp>
+        <p:nvSpPr>
+          <p:cNvPr id="2" name="Title 1">
+            <a:extLst>
+              <a:ext uri="{FF2B5EF4-FFF2-40B4-BE49-F238E27FC236}">
+                <a16:creationId xmlns:a16="http://schemas.microsoft.com/office/drawing/2014/main" id="{C6A5C09E-5D0A-4C66-9DF1-FC9D5D3F7088}"/>
+              </a:ext>
+            </a:extLst>
+          </p:cNvPr>
+          <p:cNvSpPr>
+            <a:spLocks noGrp="1"/>
+          </p:cNvSpPr>
+          <p:nvPr>
+            <p:ph type="title"/>
+          </p:nvPr>
+        </p:nvSpPr>
+        <p:spPr/>
+        <p:txBody>
+          <a:bodyPr/>
+          <a:lstStyle/>
+          <a:p>
+            <a:r>
+              <a:rPr lang="en-US" dirty="0"/>
+              <a:t>Lessons Learned</a:t>
+            </a:r>
+          </a:p>
+        </p:txBody>
+      </p:sp>
+      <p:sp>
+        <p:nvSpPr>
+          <p:cNvPr id="3" name="Text Placeholder 2">
+            <a:extLst>
+              <a:ext uri="{FF2B5EF4-FFF2-40B4-BE49-F238E27FC236}">
+                <a16:creationId xmlns:a16="http://schemas.microsoft.com/office/drawing/2014/main" id="{48E1FCE3-D369-482A-8A66-CA3D0E0E445C}"/>
+              </a:ext>
+            </a:extLst>
+          </p:cNvPr>
+          <p:cNvSpPr>
+            <a:spLocks noGrp="1"/>
+          </p:cNvSpPr>
+          <p:nvPr>
+            <p:ph type="body" idx="1"/>
+          </p:nvPr>
+        </p:nvSpPr>
+        <p:spPr/>
+        <p:txBody>
+          <a:bodyPr/>
+          <a:lstStyle/>
+          <a:p>
+            <a:r>
+              <a:rPr lang="en-US" dirty="0"/>
+              <a:t>Hopes, dreams, and ambitions are fenced in by time and resources</a:t>
+            </a:r>
+          </a:p>
+          <a:p>
+            <a:r>
+              <a:rPr lang="en-US" dirty="0"/>
+              <a:t>Data Pre-processing pays dividends for later modeling steps</a:t>
+            </a:r>
+          </a:p>
+          <a:p>
+            <a:r>
+              <a:rPr lang="en-US" dirty="0"/>
+              <a:t>Imputation is great, but sometimes the missing data can be filled in accurately with some tactical Googling</a:t>
+            </a:r>
+          </a:p>
+          <a:p>
+            <a:r>
+              <a:rPr lang="en-US" dirty="0"/>
+              <a:t>Sometimes the simple answer works best (ex. Fee structures)</a:t>
+            </a:r>
+          </a:p>
+        </p:txBody>
+      </p:sp>
+      <p:sp>
+        <p:nvSpPr>
+          <p:cNvPr id="4" name="Text Placeholder 3">
+            <a:extLst>
+              <a:ext uri="{FF2B5EF4-FFF2-40B4-BE49-F238E27FC236}">
+                <a16:creationId xmlns:a16="http://schemas.microsoft.com/office/drawing/2014/main" id="{BE61523A-F9D1-43D8-B2E7-EE809AB4B841}"/>
+              </a:ext>
+            </a:extLst>
+          </p:cNvPr>
+          <p:cNvSpPr>
+            <a:spLocks noGrp="1"/>
+          </p:cNvSpPr>
+          <p:nvPr>
+            <p:ph type="body" idx="2"/>
+          </p:nvPr>
+        </p:nvSpPr>
+        <p:spPr/>
+        <p:txBody>
+          <a:bodyPr/>
+          <a:lstStyle/>
+          <a:p>
+            <a:r>
+              <a:rPr lang="en-US" dirty="0"/>
+              <a:t>Original Hypothesis:  People prefer to visit free parks, especially in states with higher poverty</a:t>
+            </a:r>
+          </a:p>
+          <a:p>
+            <a:r>
+              <a:rPr lang="en-US" dirty="0"/>
+              <a:t>Reality: The states with the most visits are those which charge fees and this trend is true for states with all levels </a:t>
+            </a:r>
+            <a:r>
+              <a:rPr lang="en-US"/>
+              <a:t>of poverty</a:t>
+            </a:r>
+            <a:endParaRPr lang="en-US" dirty="0"/>
+          </a:p>
+        </p:txBody>
+      </p:sp>
+    </p:spTree>
+    <p:extLst>
+      <p:ext uri="{BB962C8B-B14F-4D97-AF65-F5344CB8AC3E}">
+        <p14:creationId xmlns:p14="http://schemas.microsoft.com/office/powerpoint/2010/main" val="2828147882"/>
+      </p:ext>
+    </p:extLst>
+  </p:cSld>
+  <p:clrMapOvr>
+    <a:masterClrMapping/>
+  </p:clrMapOvr>
+</p:sld>
+</file>
+
+<file path=ppt/slides/slide9.xml><?xml version="1.0" encoding="utf-8"?>
 <p:sld xmlns:a="http://schemas.openxmlformats.org/drawingml/2006/main" xmlns:r="http://schemas.openxmlformats.org/officeDocument/2006/relationships" xmlns:p="http://schemas.openxmlformats.org/presentationml/2006/main">
   <p:cSld>
     <p:spTree>
@@ -11985,7 +12271,19 @@
           <a:p>
             <a:r>
               <a:rPr lang="en-US" dirty="0"/>
-              <a:t>Jason and Aubrey’s interesting things</a:t>
+              <a:t>Our app allows users to view actual and predicted visitations for all National Parks listed with NPS from 1995 to 2018</a:t>
+            </a:r>
+          </a:p>
+          <a:p>
+            <a:r>
+              <a:rPr lang="en-US" dirty="0"/>
+              <a:t>Both XGBoost and MARS predictions are shown for each park</a:t>
+            </a:r>
+          </a:p>
+          <a:p>
+            <a:r>
+              <a:rPr lang="en-US" dirty="0"/>
+              <a:t>Rather than include the modeling steps in the app itself, we modeled and predicted ahead of time. Only the predictions are ported over to the app. </a:t>
             </a:r>
           </a:p>
         </p:txBody>

--- a/Presentations/Presentation04.pptx
+++ b/Presentations/Presentation04.pptx
@@ -11239,66 +11239,66 @@
           <a:lstStyle/>
           <a:p>
             <a:r>
-              <a:rPr lang="en-US" dirty="0"/>
+              <a:rPr lang="en-US" sz="1200" dirty="0"/>
               <a:t>XGBoost adapted well to seasonal changes and annual changes</a:t>
             </a:r>
           </a:p>
           <a:p>
             <a:r>
-              <a:rPr lang="en-US" dirty="0"/>
+              <a:rPr lang="en-US" sz="1200" dirty="0"/>
               <a:t>Not depending on linear relationships allowed greater flexibility</a:t>
             </a:r>
           </a:p>
           <a:p>
             <a:r>
-              <a:rPr lang="en-US" dirty="0"/>
-              <a:t>Some parks still weren’t well modeled, but tended to be better than MARS</a:t>
+              <a:rPr lang="en-US" sz="1200" dirty="0"/>
+              <a:t>Some parks still weren’t well modeled and MARS did just as well.</a:t>
             </a:r>
           </a:p>
           <a:p>
             <a:r>
-              <a:rPr lang="en-US" dirty="0"/>
-              <a:t>A fairly simple model (eta = 0.05, gamma = , </a:t>
+              <a:rPr lang="en-US" sz="1200" dirty="0"/>
+              <a:t>A fairly simple model (eta = 0.05, gamma = 2, lambda = 1, </a:t>
             </a:r>
             <a:r>
-              <a:rPr lang="en-US" dirty="0" err="1"/>
+              <a:rPr lang="en-US" sz="1200" dirty="0" err="1"/>
               <a:t>colsample-bytree</a:t>
             </a:r>
             <a:r>
-              <a:rPr lang="en-US" dirty="0"/>
-              <a:t> = 0.75, subsample  0.5, </a:t>
+              <a:rPr lang="en-US" sz="1200" dirty="0"/>
+              <a:t> = 0.85, subsample  0.6, </a:t>
             </a:r>
             <a:r>
-              <a:rPr lang="en-US" dirty="0" err="1"/>
+              <a:rPr lang="en-US" sz="1200" dirty="0" err="1"/>
               <a:t>max.depth</a:t>
             </a:r>
             <a:r>
-              <a:rPr lang="en-US" dirty="0"/>
-              <a:t> = 4, </a:t>
+              <a:rPr lang="en-US" sz="1200" dirty="0"/>
+              <a:t> = 8, </a:t>
             </a:r>
             <a:r>
-              <a:rPr lang="en-US" dirty="0" err="1"/>
+              <a:rPr lang="en-US" sz="1200" dirty="0" err="1"/>
               <a:t>nrounds</a:t>
             </a:r>
             <a:r>
-              <a:rPr lang="en-US" dirty="0"/>
-              <a:t> = 1500) resulted in strong predictions on test set</a:t>
+              <a:rPr lang="en-US" sz="1200" dirty="0"/>
+              <a:t> = 1500, min-child-weight = 2) resulted in strong predictions on test set</a:t>
             </a:r>
           </a:p>
           <a:p>
             <a:r>
-              <a:rPr lang="en-US" dirty="0"/>
-              <a:t>MSE : 0.593, MAE: 0.5229</a:t>
+              <a:rPr lang="en-US" sz="1200" dirty="0"/>
+              <a:t>MSE : 0.415, MAE: 0.399</a:t>
             </a:r>
           </a:p>
         </p:txBody>
       </p:sp>
       <p:pic>
         <p:nvPicPr>
-          <p:cNvPr id="7" name="Picture 6">
+          <p:cNvPr id="4" name="Picture 3">
             <a:extLst>
               <a:ext uri="{FF2B5EF4-FFF2-40B4-BE49-F238E27FC236}">
-                <a16:creationId xmlns:a16="http://schemas.microsoft.com/office/drawing/2014/main" id="{94AF7726-2906-4EAE-B378-6134F1739A77}"/>
+                <a16:creationId xmlns:a16="http://schemas.microsoft.com/office/drawing/2014/main" id="{FBE89D72-0CDB-453C-A6A9-AB0AB9FEE52B}"/>
               </a:ext>
             </a:extLst>
           </p:cNvPr>
@@ -11315,8 +11315,8 @@
         </p:blipFill>
         <p:spPr>
           <a:xfrm>
-            <a:off x="3651017" y="1836986"/>
-            <a:ext cx="5492983" cy="3154700"/>
+            <a:off x="3714510" y="1989974"/>
+            <a:ext cx="5124690" cy="2848725"/>
           </a:xfrm>
           <a:prstGeom prst="rect">
             <a:avLst/>
@@ -11383,10 +11383,10 @@
       </p:sp>
       <p:pic>
         <p:nvPicPr>
-          <p:cNvPr id="5" name="Picture 4">
+          <p:cNvPr id="3" name="Picture 2">
             <a:extLst>
               <a:ext uri="{FF2B5EF4-FFF2-40B4-BE49-F238E27FC236}">
-                <a16:creationId xmlns:a16="http://schemas.microsoft.com/office/drawing/2014/main" id="{B2488568-8B13-452C-8007-2CD64F80F4AD}"/>
+                <a16:creationId xmlns:a16="http://schemas.microsoft.com/office/drawing/2014/main" id="{AA95AC93-0AC3-4063-BCC6-B47F07C54889}"/>
               </a:ext>
             </a:extLst>
           </p:cNvPr>
@@ -11403,8 +11403,8 @@
         </p:blipFill>
         <p:spPr>
           <a:xfrm>
-            <a:off x="292100" y="1735726"/>
-            <a:ext cx="7804150" cy="3407774"/>
+            <a:off x="897020" y="1853850"/>
+            <a:ext cx="6913480" cy="3143600"/>
           </a:xfrm>
           <a:prstGeom prst="rect">
             <a:avLst/>
@@ -12146,7 +12146,7 @@
           <a:p>
             <a:r>
               <a:rPr lang="en-US" dirty="0"/>
-              <a:t>Sometimes the simple answer works best (ex. Fee structures)</a:t>
+              <a:t>Sometimes the simple answer works best (ex. Fee structures, MARS)</a:t>
             </a:r>
           </a:p>
         </p:txBody>
@@ -12286,33 +12286,47 @@
               <a:t>Rather than include the modeling steps in the app itself, we modeled and predicted ahead of time. Only the predictions are ported over to the app. </a:t>
             </a:r>
           </a:p>
+          <a:p>
+            <a:r>
+              <a:rPr lang="en-US" dirty="0">
+                <a:hlinkClick r:id="rId2"/>
+              </a:rPr>
+              <a:t>https://national-parks-visitation-model.shinyapps.io/ShinyApp/</a:t>
+            </a:r>
+            <a:endParaRPr lang="en-US" dirty="0"/>
+          </a:p>
         </p:txBody>
       </p:sp>
-      <p:sp>
-        <p:nvSpPr>
-          <p:cNvPr id="4" name="Text Placeholder 3">
+      <p:pic>
+        <p:nvPicPr>
+          <p:cNvPr id="5" name="Picture 4">
             <a:extLst>
               <a:ext uri="{FF2B5EF4-FFF2-40B4-BE49-F238E27FC236}">
-                <a16:creationId xmlns:a16="http://schemas.microsoft.com/office/drawing/2014/main" id="{B3435DBD-2231-42C0-8A31-CAB62F0AA00A}"/>
+                <a16:creationId xmlns:a16="http://schemas.microsoft.com/office/drawing/2014/main" id="{963CE18B-B5E4-403A-A7DE-93CE2B53D519}"/>
               </a:ext>
             </a:extLst>
           </p:cNvPr>
-          <p:cNvSpPr>
-            <a:spLocks noGrp="1"/>
-          </p:cNvSpPr>
-          <p:nvPr>
-            <p:ph type="body" idx="2"/>
-          </p:nvPr>
-        </p:nvSpPr>
-        <p:spPr/>
-        <p:txBody>
-          <a:bodyPr/>
-          <a:lstStyle/>
-          <a:p>
-            <a:endParaRPr lang="en-US"/>
-          </a:p>
-        </p:txBody>
-      </p:sp>
+          <p:cNvPicPr>
+            <a:picLocks noChangeAspect="1"/>
+          </p:cNvPicPr>
+          <p:nvPr/>
+        </p:nvPicPr>
+        <p:blipFill>
+          <a:blip r:embed="rId3"/>
+          <a:stretch>
+            <a:fillRect/>
+          </a:stretch>
+        </p:blipFill>
+        <p:spPr>
+          <a:xfrm>
+            <a:off x="4329611" y="869950"/>
+            <a:ext cx="4429703" cy="4197350"/>
+          </a:xfrm>
+          <a:prstGeom prst="rect">
+            <a:avLst/>
+          </a:prstGeom>
+        </p:spPr>
+      </p:pic>
     </p:spTree>
     <p:extLst>
       <p:ext uri="{BB962C8B-B14F-4D97-AF65-F5344CB8AC3E}">
